--- a/ppt 16-9/0772.神的殿荒凉.pptx
+++ b/ppt 16-9/0772.神的殿荒凉.pptx
@@ -129,7 +129,7 @@
           <p:cNvPr id="2" name="标题 1">
             <a:extLst>
               <a:ext uri="{FF2B5EF4-FFF2-40B4-BE49-F238E27FC236}">
-                <a16:creationId xmlns:a16="http://schemas.microsoft.com/office/drawing/2014/main" id="{CB5447B8-4FA0-B32A-9FD2-F7EF6C12EBA4}"/>
+                <a16:creationId xmlns:a16="http://schemas.microsoft.com/office/drawing/2014/main" id="{495980C0-5BF2-D1F8-A6B2-3C35316AA4FE}"/>
               </a:ext>
             </a:extLst>
           </p:cNvPr>
@@ -166,7 +166,7 @@
           <p:cNvPr id="3" name="副标题 2">
             <a:extLst>
               <a:ext uri="{FF2B5EF4-FFF2-40B4-BE49-F238E27FC236}">
-                <a16:creationId xmlns:a16="http://schemas.microsoft.com/office/drawing/2014/main" id="{326FAF6B-E271-6341-083B-8586FF985096}"/>
+                <a16:creationId xmlns:a16="http://schemas.microsoft.com/office/drawing/2014/main" id="{969C0CE9-7FB1-229D-9330-54DAABA428C7}"/>
               </a:ext>
             </a:extLst>
           </p:cNvPr>
@@ -236,7 +236,7 @@
           <p:cNvPr id="4" name="日期占位符 3">
             <a:extLst>
               <a:ext uri="{FF2B5EF4-FFF2-40B4-BE49-F238E27FC236}">
-                <a16:creationId xmlns:a16="http://schemas.microsoft.com/office/drawing/2014/main" id="{0C420B83-5AE3-5137-CF9B-D07537087A7C}"/>
+                <a16:creationId xmlns:a16="http://schemas.microsoft.com/office/drawing/2014/main" id="{B4AB6B5B-3261-426E-6205-697185CFA189}"/>
               </a:ext>
             </a:extLst>
           </p:cNvPr>
@@ -252,7 +252,7 @@
           <a:bodyPr/>
           <a:lstStyle/>
           <a:p>
-            <a:fld id="{95954090-FCCA-4DE0-B570-428ED302EE2E}" type="datetimeFigureOut">
+            <a:fld id="{8FB54077-6E63-41C7-89BB-7A1B4CA8FF64}" type="datetimeFigureOut">
               <a:rPr lang="zh-CN" altLang="en-US" smtClean="0"/>
               <a:t>2024/3/10</a:t>
             </a:fld>
@@ -265,7 +265,7 @@
           <p:cNvPr id="5" name="页脚占位符 4">
             <a:extLst>
               <a:ext uri="{FF2B5EF4-FFF2-40B4-BE49-F238E27FC236}">
-                <a16:creationId xmlns:a16="http://schemas.microsoft.com/office/drawing/2014/main" id="{18B45FA6-AFF7-7637-97AF-6F990A28120D}"/>
+                <a16:creationId xmlns:a16="http://schemas.microsoft.com/office/drawing/2014/main" id="{DF678B57-AE7E-0A1D-BF57-55A09F7F1202}"/>
               </a:ext>
             </a:extLst>
           </p:cNvPr>
@@ -290,7 +290,7 @@
           <p:cNvPr id="6" name="灯片编号占位符 5">
             <a:extLst>
               <a:ext uri="{FF2B5EF4-FFF2-40B4-BE49-F238E27FC236}">
-                <a16:creationId xmlns:a16="http://schemas.microsoft.com/office/drawing/2014/main" id="{8DD879B7-DDC2-AA60-2141-EA7B7E3A78DF}"/>
+                <a16:creationId xmlns:a16="http://schemas.microsoft.com/office/drawing/2014/main" id="{206DE2E3-09E4-C497-E831-A0D052C091C9}"/>
               </a:ext>
             </a:extLst>
           </p:cNvPr>
@@ -306,7 +306,7 @@
           <a:bodyPr/>
           <a:lstStyle/>
           <a:p>
-            <a:fld id="{8C30C40D-18B2-4DC6-BDE0-0B8B5E74E18A}" type="slidenum">
+            <a:fld id="{510A8DF5-0A8D-44F9-8A2A-B2B40870634F}" type="slidenum">
               <a:rPr lang="zh-CN" altLang="en-US" smtClean="0"/>
               <a:t>‹#›</a:t>
             </a:fld>
@@ -317,7 +317,7 @@
     </p:spTree>
     <p:extLst>
       <p:ext uri="{BB962C8B-B14F-4D97-AF65-F5344CB8AC3E}">
-        <p14:creationId xmlns:p14="http://schemas.microsoft.com/office/powerpoint/2010/main" val="1455558314"/>
+        <p14:creationId xmlns:p14="http://schemas.microsoft.com/office/powerpoint/2010/main" val="3366757414"/>
       </p:ext>
     </p:extLst>
   </p:cSld>
@@ -349,7 +349,7 @@
           <p:cNvPr id="2" name="标题 1">
             <a:extLst>
               <a:ext uri="{FF2B5EF4-FFF2-40B4-BE49-F238E27FC236}">
-                <a16:creationId xmlns:a16="http://schemas.microsoft.com/office/drawing/2014/main" id="{CA91C077-0C0A-8DC0-0038-3763401CD371}"/>
+                <a16:creationId xmlns:a16="http://schemas.microsoft.com/office/drawing/2014/main" id="{D856204F-FF7B-C6AD-FE20-16F8AAF39010}"/>
               </a:ext>
             </a:extLst>
           </p:cNvPr>
@@ -377,7 +377,7 @@
           <p:cNvPr id="3" name="竖排文字占位符 2">
             <a:extLst>
               <a:ext uri="{FF2B5EF4-FFF2-40B4-BE49-F238E27FC236}">
-                <a16:creationId xmlns:a16="http://schemas.microsoft.com/office/drawing/2014/main" id="{535D9CA6-CC2C-A576-52C3-8402FA455E1D}"/>
+                <a16:creationId xmlns:a16="http://schemas.microsoft.com/office/drawing/2014/main" id="{CAE8188B-BDDB-A609-D65B-F5CBEDD29AEB}"/>
               </a:ext>
             </a:extLst>
           </p:cNvPr>
@@ -434,7 +434,7 @@
           <p:cNvPr id="4" name="日期占位符 3">
             <a:extLst>
               <a:ext uri="{FF2B5EF4-FFF2-40B4-BE49-F238E27FC236}">
-                <a16:creationId xmlns:a16="http://schemas.microsoft.com/office/drawing/2014/main" id="{105500E7-C96B-7F63-1AF6-9D6888F3FBF8}"/>
+                <a16:creationId xmlns:a16="http://schemas.microsoft.com/office/drawing/2014/main" id="{6DB4E538-E33C-C5A9-5738-17789D412D8B}"/>
               </a:ext>
             </a:extLst>
           </p:cNvPr>
@@ -450,7 +450,7 @@
           <a:bodyPr/>
           <a:lstStyle/>
           <a:p>
-            <a:fld id="{95954090-FCCA-4DE0-B570-428ED302EE2E}" type="datetimeFigureOut">
+            <a:fld id="{8FB54077-6E63-41C7-89BB-7A1B4CA8FF64}" type="datetimeFigureOut">
               <a:rPr lang="zh-CN" altLang="en-US" smtClean="0"/>
               <a:t>2024/3/10</a:t>
             </a:fld>
@@ -463,7 +463,7 @@
           <p:cNvPr id="5" name="页脚占位符 4">
             <a:extLst>
               <a:ext uri="{FF2B5EF4-FFF2-40B4-BE49-F238E27FC236}">
-                <a16:creationId xmlns:a16="http://schemas.microsoft.com/office/drawing/2014/main" id="{CD1BB98B-67EB-D70C-73DC-858D4E99A2C7}"/>
+                <a16:creationId xmlns:a16="http://schemas.microsoft.com/office/drawing/2014/main" id="{E90B07CD-12F5-B49E-EA2F-F19E03F2EF1E}"/>
               </a:ext>
             </a:extLst>
           </p:cNvPr>
@@ -488,7 +488,7 @@
           <p:cNvPr id="6" name="灯片编号占位符 5">
             <a:extLst>
               <a:ext uri="{FF2B5EF4-FFF2-40B4-BE49-F238E27FC236}">
-                <a16:creationId xmlns:a16="http://schemas.microsoft.com/office/drawing/2014/main" id="{716572FC-B2E0-BACA-10B8-15BF4E3B38BB}"/>
+                <a16:creationId xmlns:a16="http://schemas.microsoft.com/office/drawing/2014/main" id="{AF7C5B0E-F3B0-FBAA-FE29-F4716AEF9D52}"/>
               </a:ext>
             </a:extLst>
           </p:cNvPr>
@@ -504,7 +504,7 @@
           <a:bodyPr/>
           <a:lstStyle/>
           <a:p>
-            <a:fld id="{8C30C40D-18B2-4DC6-BDE0-0B8B5E74E18A}" type="slidenum">
+            <a:fld id="{510A8DF5-0A8D-44F9-8A2A-B2B40870634F}" type="slidenum">
               <a:rPr lang="zh-CN" altLang="en-US" smtClean="0"/>
               <a:t>‹#›</a:t>
             </a:fld>
@@ -515,7 +515,7 @@
     </p:spTree>
     <p:extLst>
       <p:ext uri="{BB962C8B-B14F-4D97-AF65-F5344CB8AC3E}">
-        <p14:creationId xmlns:p14="http://schemas.microsoft.com/office/powerpoint/2010/main" val="4093421233"/>
+        <p14:creationId xmlns:p14="http://schemas.microsoft.com/office/powerpoint/2010/main" val="4085424975"/>
       </p:ext>
     </p:extLst>
   </p:cSld>
@@ -547,7 +547,7 @@
           <p:cNvPr id="2" name="竖排标题 1">
             <a:extLst>
               <a:ext uri="{FF2B5EF4-FFF2-40B4-BE49-F238E27FC236}">
-                <a16:creationId xmlns:a16="http://schemas.microsoft.com/office/drawing/2014/main" id="{B4CDED64-A059-C910-2DA4-C5F076F9E19E}"/>
+                <a16:creationId xmlns:a16="http://schemas.microsoft.com/office/drawing/2014/main" id="{169B0F56-9651-7A5E-D032-9336B709BA9A}"/>
               </a:ext>
             </a:extLst>
           </p:cNvPr>
@@ -580,7 +580,7 @@
           <p:cNvPr id="3" name="竖排文字占位符 2">
             <a:extLst>
               <a:ext uri="{FF2B5EF4-FFF2-40B4-BE49-F238E27FC236}">
-                <a16:creationId xmlns:a16="http://schemas.microsoft.com/office/drawing/2014/main" id="{B5B9B0FF-BADB-C258-9DC4-377FB2D3A5FB}"/>
+                <a16:creationId xmlns:a16="http://schemas.microsoft.com/office/drawing/2014/main" id="{71AFDF96-03BA-F171-6862-2A6CCD3620FA}"/>
               </a:ext>
             </a:extLst>
           </p:cNvPr>
@@ -642,7 +642,7 @@
           <p:cNvPr id="4" name="日期占位符 3">
             <a:extLst>
               <a:ext uri="{FF2B5EF4-FFF2-40B4-BE49-F238E27FC236}">
-                <a16:creationId xmlns:a16="http://schemas.microsoft.com/office/drawing/2014/main" id="{610139D4-FE25-ADAD-AB70-4926305AF8F6}"/>
+                <a16:creationId xmlns:a16="http://schemas.microsoft.com/office/drawing/2014/main" id="{86A1FC17-9485-3BA2-451D-257B67FB2ABF}"/>
               </a:ext>
             </a:extLst>
           </p:cNvPr>
@@ -658,7 +658,7 @@
           <a:bodyPr/>
           <a:lstStyle/>
           <a:p>
-            <a:fld id="{95954090-FCCA-4DE0-B570-428ED302EE2E}" type="datetimeFigureOut">
+            <a:fld id="{8FB54077-6E63-41C7-89BB-7A1B4CA8FF64}" type="datetimeFigureOut">
               <a:rPr lang="zh-CN" altLang="en-US" smtClean="0"/>
               <a:t>2024/3/10</a:t>
             </a:fld>
@@ -671,7 +671,7 @@
           <p:cNvPr id="5" name="页脚占位符 4">
             <a:extLst>
               <a:ext uri="{FF2B5EF4-FFF2-40B4-BE49-F238E27FC236}">
-                <a16:creationId xmlns:a16="http://schemas.microsoft.com/office/drawing/2014/main" id="{74605546-F79A-B016-184C-389A622E94F2}"/>
+                <a16:creationId xmlns:a16="http://schemas.microsoft.com/office/drawing/2014/main" id="{235D467B-4C7D-D909-8865-EDB36EE16097}"/>
               </a:ext>
             </a:extLst>
           </p:cNvPr>
@@ -696,7 +696,7 @@
           <p:cNvPr id="6" name="灯片编号占位符 5">
             <a:extLst>
               <a:ext uri="{FF2B5EF4-FFF2-40B4-BE49-F238E27FC236}">
-                <a16:creationId xmlns:a16="http://schemas.microsoft.com/office/drawing/2014/main" id="{3E8CFCEA-1E25-F392-F0C0-CB0018DFA2F5}"/>
+                <a16:creationId xmlns:a16="http://schemas.microsoft.com/office/drawing/2014/main" id="{4A976C30-3F6C-DE3D-A187-91F66DAF296E}"/>
               </a:ext>
             </a:extLst>
           </p:cNvPr>
@@ -712,7 +712,7 @@
           <a:bodyPr/>
           <a:lstStyle/>
           <a:p>
-            <a:fld id="{8C30C40D-18B2-4DC6-BDE0-0B8B5E74E18A}" type="slidenum">
+            <a:fld id="{510A8DF5-0A8D-44F9-8A2A-B2B40870634F}" type="slidenum">
               <a:rPr lang="zh-CN" altLang="en-US" smtClean="0"/>
               <a:t>‹#›</a:t>
             </a:fld>
@@ -723,7 +723,7 @@
     </p:spTree>
     <p:extLst>
       <p:ext uri="{BB962C8B-B14F-4D97-AF65-F5344CB8AC3E}">
-        <p14:creationId xmlns:p14="http://schemas.microsoft.com/office/powerpoint/2010/main" val="4174143711"/>
+        <p14:creationId xmlns:p14="http://schemas.microsoft.com/office/powerpoint/2010/main" val="1771951787"/>
       </p:ext>
     </p:extLst>
   </p:cSld>
@@ -755,7 +755,7 @@
           <p:cNvPr id="2" name="标题 1">
             <a:extLst>
               <a:ext uri="{FF2B5EF4-FFF2-40B4-BE49-F238E27FC236}">
-                <a16:creationId xmlns:a16="http://schemas.microsoft.com/office/drawing/2014/main" id="{1CDB88CF-2852-EFBA-02F1-2E274E6E3D1E}"/>
+                <a16:creationId xmlns:a16="http://schemas.microsoft.com/office/drawing/2014/main" id="{6E20D829-256C-DA2E-F621-1E68998A49F7}"/>
               </a:ext>
             </a:extLst>
           </p:cNvPr>
@@ -783,7 +783,7 @@
           <p:cNvPr id="3" name="内容占位符 2">
             <a:extLst>
               <a:ext uri="{FF2B5EF4-FFF2-40B4-BE49-F238E27FC236}">
-                <a16:creationId xmlns:a16="http://schemas.microsoft.com/office/drawing/2014/main" id="{968C7DAB-8B3A-593B-9F33-B409A6B39C08}"/>
+                <a16:creationId xmlns:a16="http://schemas.microsoft.com/office/drawing/2014/main" id="{549E61C5-7793-22CF-B17E-1E5F7303FFCA}"/>
               </a:ext>
             </a:extLst>
           </p:cNvPr>
@@ -840,7 +840,7 @@
           <p:cNvPr id="4" name="日期占位符 3">
             <a:extLst>
               <a:ext uri="{FF2B5EF4-FFF2-40B4-BE49-F238E27FC236}">
-                <a16:creationId xmlns:a16="http://schemas.microsoft.com/office/drawing/2014/main" id="{25329CC9-B4FC-04B0-5BD1-35A30EAB489A}"/>
+                <a16:creationId xmlns:a16="http://schemas.microsoft.com/office/drawing/2014/main" id="{14B03B02-1B03-CBF4-A9B5-45D623CD6782}"/>
               </a:ext>
             </a:extLst>
           </p:cNvPr>
@@ -856,7 +856,7 @@
           <a:bodyPr/>
           <a:lstStyle/>
           <a:p>
-            <a:fld id="{95954090-FCCA-4DE0-B570-428ED302EE2E}" type="datetimeFigureOut">
+            <a:fld id="{8FB54077-6E63-41C7-89BB-7A1B4CA8FF64}" type="datetimeFigureOut">
               <a:rPr lang="zh-CN" altLang="en-US" smtClean="0"/>
               <a:t>2024/3/10</a:t>
             </a:fld>
@@ -869,7 +869,7 @@
           <p:cNvPr id="5" name="页脚占位符 4">
             <a:extLst>
               <a:ext uri="{FF2B5EF4-FFF2-40B4-BE49-F238E27FC236}">
-                <a16:creationId xmlns:a16="http://schemas.microsoft.com/office/drawing/2014/main" id="{B7AE508A-1B69-A323-582A-AEF772EF8580}"/>
+                <a16:creationId xmlns:a16="http://schemas.microsoft.com/office/drawing/2014/main" id="{0BDD3872-D4F7-F7C1-90B5-FED2716C9B84}"/>
               </a:ext>
             </a:extLst>
           </p:cNvPr>
@@ -894,7 +894,7 @@
           <p:cNvPr id="6" name="灯片编号占位符 5">
             <a:extLst>
               <a:ext uri="{FF2B5EF4-FFF2-40B4-BE49-F238E27FC236}">
-                <a16:creationId xmlns:a16="http://schemas.microsoft.com/office/drawing/2014/main" id="{299809F9-AF44-982F-C45F-29CA2003F0FF}"/>
+                <a16:creationId xmlns:a16="http://schemas.microsoft.com/office/drawing/2014/main" id="{DEC82083-05B9-1D4E-7D34-B9D79D26FD6C}"/>
               </a:ext>
             </a:extLst>
           </p:cNvPr>
@@ -910,7 +910,7 @@
           <a:bodyPr/>
           <a:lstStyle/>
           <a:p>
-            <a:fld id="{8C30C40D-18B2-4DC6-BDE0-0B8B5E74E18A}" type="slidenum">
+            <a:fld id="{510A8DF5-0A8D-44F9-8A2A-B2B40870634F}" type="slidenum">
               <a:rPr lang="zh-CN" altLang="en-US" smtClean="0"/>
               <a:t>‹#›</a:t>
             </a:fld>
@@ -921,7 +921,7 @@
     </p:spTree>
     <p:extLst>
       <p:ext uri="{BB962C8B-B14F-4D97-AF65-F5344CB8AC3E}">
-        <p14:creationId xmlns:p14="http://schemas.microsoft.com/office/powerpoint/2010/main" val="1426546712"/>
+        <p14:creationId xmlns:p14="http://schemas.microsoft.com/office/powerpoint/2010/main" val="1796327223"/>
       </p:ext>
     </p:extLst>
   </p:cSld>
@@ -953,7 +953,7 @@
           <p:cNvPr id="2" name="标题 1">
             <a:extLst>
               <a:ext uri="{FF2B5EF4-FFF2-40B4-BE49-F238E27FC236}">
-                <a16:creationId xmlns:a16="http://schemas.microsoft.com/office/drawing/2014/main" id="{D301B8AE-C15C-A6C8-E066-A18494D26E6B}"/>
+                <a16:creationId xmlns:a16="http://schemas.microsoft.com/office/drawing/2014/main" id="{642C9FBF-A3B2-1797-8E5F-ECBF756A8B2C}"/>
               </a:ext>
             </a:extLst>
           </p:cNvPr>
@@ -990,7 +990,7 @@
           <p:cNvPr id="3" name="文本占位符 2">
             <a:extLst>
               <a:ext uri="{FF2B5EF4-FFF2-40B4-BE49-F238E27FC236}">
-                <a16:creationId xmlns:a16="http://schemas.microsoft.com/office/drawing/2014/main" id="{1E8025BD-AF8F-E101-08E4-65CF1BECF2D1}"/>
+                <a16:creationId xmlns:a16="http://schemas.microsoft.com/office/drawing/2014/main" id="{FC7CAEE1-8938-6C6E-1308-45296177BD56}"/>
               </a:ext>
             </a:extLst>
           </p:cNvPr>
@@ -1115,7 +1115,7 @@
           <p:cNvPr id="4" name="日期占位符 3">
             <a:extLst>
               <a:ext uri="{FF2B5EF4-FFF2-40B4-BE49-F238E27FC236}">
-                <a16:creationId xmlns:a16="http://schemas.microsoft.com/office/drawing/2014/main" id="{471C50C4-B28B-1A03-0E6C-A4016C0EDA6C}"/>
+                <a16:creationId xmlns:a16="http://schemas.microsoft.com/office/drawing/2014/main" id="{5C7AE72A-4645-7071-270A-44BA13DF90BA}"/>
               </a:ext>
             </a:extLst>
           </p:cNvPr>
@@ -1131,7 +1131,7 @@
           <a:bodyPr/>
           <a:lstStyle/>
           <a:p>
-            <a:fld id="{95954090-FCCA-4DE0-B570-428ED302EE2E}" type="datetimeFigureOut">
+            <a:fld id="{8FB54077-6E63-41C7-89BB-7A1B4CA8FF64}" type="datetimeFigureOut">
               <a:rPr lang="zh-CN" altLang="en-US" smtClean="0"/>
               <a:t>2024/3/10</a:t>
             </a:fld>
@@ -1144,7 +1144,7 @@
           <p:cNvPr id="5" name="页脚占位符 4">
             <a:extLst>
               <a:ext uri="{FF2B5EF4-FFF2-40B4-BE49-F238E27FC236}">
-                <a16:creationId xmlns:a16="http://schemas.microsoft.com/office/drawing/2014/main" id="{A9E1FA62-3E25-1343-E7CC-8CB71E66766A}"/>
+                <a16:creationId xmlns:a16="http://schemas.microsoft.com/office/drawing/2014/main" id="{6914BB93-69E8-4863-2EA6-9A8FBFC33417}"/>
               </a:ext>
             </a:extLst>
           </p:cNvPr>
@@ -1169,7 +1169,7 @@
           <p:cNvPr id="6" name="灯片编号占位符 5">
             <a:extLst>
               <a:ext uri="{FF2B5EF4-FFF2-40B4-BE49-F238E27FC236}">
-                <a16:creationId xmlns:a16="http://schemas.microsoft.com/office/drawing/2014/main" id="{BBF9EE3F-2B4E-ED1A-FF2C-D0485B571244}"/>
+                <a16:creationId xmlns:a16="http://schemas.microsoft.com/office/drawing/2014/main" id="{4F1EAFD5-7701-10FB-7C02-FEC3A95AD882}"/>
               </a:ext>
             </a:extLst>
           </p:cNvPr>
@@ -1185,7 +1185,7 @@
           <a:bodyPr/>
           <a:lstStyle/>
           <a:p>
-            <a:fld id="{8C30C40D-18B2-4DC6-BDE0-0B8B5E74E18A}" type="slidenum">
+            <a:fld id="{510A8DF5-0A8D-44F9-8A2A-B2B40870634F}" type="slidenum">
               <a:rPr lang="zh-CN" altLang="en-US" smtClean="0"/>
               <a:t>‹#›</a:t>
             </a:fld>
@@ -1196,7 +1196,7 @@
     </p:spTree>
     <p:extLst>
       <p:ext uri="{BB962C8B-B14F-4D97-AF65-F5344CB8AC3E}">
-        <p14:creationId xmlns:p14="http://schemas.microsoft.com/office/powerpoint/2010/main" val="4123120681"/>
+        <p14:creationId xmlns:p14="http://schemas.microsoft.com/office/powerpoint/2010/main" val="4134876062"/>
       </p:ext>
     </p:extLst>
   </p:cSld>
@@ -1228,7 +1228,7 @@
           <p:cNvPr id="2" name="标题 1">
             <a:extLst>
               <a:ext uri="{FF2B5EF4-FFF2-40B4-BE49-F238E27FC236}">
-                <a16:creationId xmlns:a16="http://schemas.microsoft.com/office/drawing/2014/main" id="{8294F713-4938-BD4E-514C-B2FA0A56CB9F}"/>
+                <a16:creationId xmlns:a16="http://schemas.microsoft.com/office/drawing/2014/main" id="{3B75D697-21C8-3A7E-4FAA-55369056BABA}"/>
               </a:ext>
             </a:extLst>
           </p:cNvPr>
@@ -1256,7 +1256,7 @@
           <p:cNvPr id="3" name="内容占位符 2">
             <a:extLst>
               <a:ext uri="{FF2B5EF4-FFF2-40B4-BE49-F238E27FC236}">
-                <a16:creationId xmlns:a16="http://schemas.microsoft.com/office/drawing/2014/main" id="{B6274F04-1DD7-3752-A87B-F3297DFE8D29}"/>
+                <a16:creationId xmlns:a16="http://schemas.microsoft.com/office/drawing/2014/main" id="{03AF5334-B678-32CE-5367-B55AAEFC5A57}"/>
               </a:ext>
             </a:extLst>
           </p:cNvPr>
@@ -1318,7 +1318,7 @@
           <p:cNvPr id="4" name="内容占位符 3">
             <a:extLst>
               <a:ext uri="{FF2B5EF4-FFF2-40B4-BE49-F238E27FC236}">
-                <a16:creationId xmlns:a16="http://schemas.microsoft.com/office/drawing/2014/main" id="{69429C02-F7E4-7D98-B5BA-21497339F9C5}"/>
+                <a16:creationId xmlns:a16="http://schemas.microsoft.com/office/drawing/2014/main" id="{07DDB697-52DB-28F2-B1A7-F18EF32A6FA9}"/>
               </a:ext>
             </a:extLst>
           </p:cNvPr>
@@ -1380,7 +1380,7 @@
           <p:cNvPr id="5" name="日期占位符 4">
             <a:extLst>
               <a:ext uri="{FF2B5EF4-FFF2-40B4-BE49-F238E27FC236}">
-                <a16:creationId xmlns:a16="http://schemas.microsoft.com/office/drawing/2014/main" id="{FFE5E4A0-B625-CEA9-98BC-5528935C4FA0}"/>
+                <a16:creationId xmlns:a16="http://schemas.microsoft.com/office/drawing/2014/main" id="{1C434156-D0BE-9A25-1F50-ED9F4F9B2931}"/>
               </a:ext>
             </a:extLst>
           </p:cNvPr>
@@ -1396,7 +1396,7 @@
           <a:bodyPr/>
           <a:lstStyle/>
           <a:p>
-            <a:fld id="{95954090-FCCA-4DE0-B570-428ED302EE2E}" type="datetimeFigureOut">
+            <a:fld id="{8FB54077-6E63-41C7-89BB-7A1B4CA8FF64}" type="datetimeFigureOut">
               <a:rPr lang="zh-CN" altLang="en-US" smtClean="0"/>
               <a:t>2024/3/10</a:t>
             </a:fld>
@@ -1409,7 +1409,7 @@
           <p:cNvPr id="6" name="页脚占位符 5">
             <a:extLst>
               <a:ext uri="{FF2B5EF4-FFF2-40B4-BE49-F238E27FC236}">
-                <a16:creationId xmlns:a16="http://schemas.microsoft.com/office/drawing/2014/main" id="{07CD32F2-0519-D63F-7F10-A6069EA72A9B}"/>
+                <a16:creationId xmlns:a16="http://schemas.microsoft.com/office/drawing/2014/main" id="{193F931A-02BB-BEE2-C1E0-EF24187D1A0F}"/>
               </a:ext>
             </a:extLst>
           </p:cNvPr>
@@ -1434,7 +1434,7 @@
           <p:cNvPr id="7" name="灯片编号占位符 6">
             <a:extLst>
               <a:ext uri="{FF2B5EF4-FFF2-40B4-BE49-F238E27FC236}">
-                <a16:creationId xmlns:a16="http://schemas.microsoft.com/office/drawing/2014/main" id="{0BB03253-717A-E158-94FD-0B7418F42D33}"/>
+                <a16:creationId xmlns:a16="http://schemas.microsoft.com/office/drawing/2014/main" id="{46CFFBB2-2BB3-27BB-E376-6E5830F3ED86}"/>
               </a:ext>
             </a:extLst>
           </p:cNvPr>
@@ -1450,7 +1450,7 @@
           <a:bodyPr/>
           <a:lstStyle/>
           <a:p>
-            <a:fld id="{8C30C40D-18B2-4DC6-BDE0-0B8B5E74E18A}" type="slidenum">
+            <a:fld id="{510A8DF5-0A8D-44F9-8A2A-B2B40870634F}" type="slidenum">
               <a:rPr lang="zh-CN" altLang="en-US" smtClean="0"/>
               <a:t>‹#›</a:t>
             </a:fld>
@@ -1461,7 +1461,7 @@
     </p:spTree>
     <p:extLst>
       <p:ext uri="{BB962C8B-B14F-4D97-AF65-F5344CB8AC3E}">
-        <p14:creationId xmlns:p14="http://schemas.microsoft.com/office/powerpoint/2010/main" val="1296569556"/>
+        <p14:creationId xmlns:p14="http://schemas.microsoft.com/office/powerpoint/2010/main" val="2214150988"/>
       </p:ext>
     </p:extLst>
   </p:cSld>
@@ -1493,7 +1493,7 @@
           <p:cNvPr id="2" name="标题 1">
             <a:extLst>
               <a:ext uri="{FF2B5EF4-FFF2-40B4-BE49-F238E27FC236}">
-                <a16:creationId xmlns:a16="http://schemas.microsoft.com/office/drawing/2014/main" id="{165E9DA5-8563-1474-CF19-90D69B0C8A39}"/>
+                <a16:creationId xmlns:a16="http://schemas.microsoft.com/office/drawing/2014/main" id="{4C9382FE-AEDF-EE0B-C5BA-4C1D969D8469}"/>
               </a:ext>
             </a:extLst>
           </p:cNvPr>
@@ -1526,7 +1526,7 @@
           <p:cNvPr id="3" name="文本占位符 2">
             <a:extLst>
               <a:ext uri="{FF2B5EF4-FFF2-40B4-BE49-F238E27FC236}">
-                <a16:creationId xmlns:a16="http://schemas.microsoft.com/office/drawing/2014/main" id="{FB38E7B6-8073-D8B4-BCC2-1A9779875DDA}"/>
+                <a16:creationId xmlns:a16="http://schemas.microsoft.com/office/drawing/2014/main" id="{D7E9147D-2B27-F99B-3213-AF2732815EDC}"/>
               </a:ext>
             </a:extLst>
           </p:cNvPr>
@@ -1597,7 +1597,7 @@
           <p:cNvPr id="4" name="内容占位符 3">
             <a:extLst>
               <a:ext uri="{FF2B5EF4-FFF2-40B4-BE49-F238E27FC236}">
-                <a16:creationId xmlns:a16="http://schemas.microsoft.com/office/drawing/2014/main" id="{F7AA43C8-BA67-7906-FF40-3E9A1ECA35DB}"/>
+                <a16:creationId xmlns:a16="http://schemas.microsoft.com/office/drawing/2014/main" id="{A2679417-7879-E3C7-2A37-5F2087D3A46B}"/>
               </a:ext>
             </a:extLst>
           </p:cNvPr>
@@ -1659,7 +1659,7 @@
           <p:cNvPr id="5" name="文本占位符 4">
             <a:extLst>
               <a:ext uri="{FF2B5EF4-FFF2-40B4-BE49-F238E27FC236}">
-                <a16:creationId xmlns:a16="http://schemas.microsoft.com/office/drawing/2014/main" id="{D62EF599-2F2D-0356-FA81-7B0717731883}"/>
+                <a16:creationId xmlns:a16="http://schemas.microsoft.com/office/drawing/2014/main" id="{218CA01B-D6D5-0929-7C58-6A5D81392459}"/>
               </a:ext>
             </a:extLst>
           </p:cNvPr>
@@ -1730,7 +1730,7 @@
           <p:cNvPr id="6" name="内容占位符 5">
             <a:extLst>
               <a:ext uri="{FF2B5EF4-FFF2-40B4-BE49-F238E27FC236}">
-                <a16:creationId xmlns:a16="http://schemas.microsoft.com/office/drawing/2014/main" id="{0BFCFD57-9BBD-C918-C75F-5501C0BC1F10}"/>
+                <a16:creationId xmlns:a16="http://schemas.microsoft.com/office/drawing/2014/main" id="{DC9B20E5-DE48-40BA-773A-A74BB3DF13BB}"/>
               </a:ext>
             </a:extLst>
           </p:cNvPr>
@@ -1792,7 +1792,7 @@
           <p:cNvPr id="7" name="日期占位符 6">
             <a:extLst>
               <a:ext uri="{FF2B5EF4-FFF2-40B4-BE49-F238E27FC236}">
-                <a16:creationId xmlns:a16="http://schemas.microsoft.com/office/drawing/2014/main" id="{C7767594-F854-3A75-F561-C19F452B2AEA}"/>
+                <a16:creationId xmlns:a16="http://schemas.microsoft.com/office/drawing/2014/main" id="{0117F25E-30BF-D420-D199-BD800D9F8A87}"/>
               </a:ext>
             </a:extLst>
           </p:cNvPr>
@@ -1808,7 +1808,7 @@
           <a:bodyPr/>
           <a:lstStyle/>
           <a:p>
-            <a:fld id="{95954090-FCCA-4DE0-B570-428ED302EE2E}" type="datetimeFigureOut">
+            <a:fld id="{8FB54077-6E63-41C7-89BB-7A1B4CA8FF64}" type="datetimeFigureOut">
               <a:rPr lang="zh-CN" altLang="en-US" smtClean="0"/>
               <a:t>2024/3/10</a:t>
             </a:fld>
@@ -1821,7 +1821,7 @@
           <p:cNvPr id="8" name="页脚占位符 7">
             <a:extLst>
               <a:ext uri="{FF2B5EF4-FFF2-40B4-BE49-F238E27FC236}">
-                <a16:creationId xmlns:a16="http://schemas.microsoft.com/office/drawing/2014/main" id="{E8062883-FB6A-A82A-B9F1-D6EA767F6FC7}"/>
+                <a16:creationId xmlns:a16="http://schemas.microsoft.com/office/drawing/2014/main" id="{BA28E8C8-2D99-0FED-30EF-87BAF7DC470F}"/>
               </a:ext>
             </a:extLst>
           </p:cNvPr>
@@ -1846,7 +1846,7 @@
           <p:cNvPr id="9" name="灯片编号占位符 8">
             <a:extLst>
               <a:ext uri="{FF2B5EF4-FFF2-40B4-BE49-F238E27FC236}">
-                <a16:creationId xmlns:a16="http://schemas.microsoft.com/office/drawing/2014/main" id="{6511E32C-FB9E-9182-124A-2A13B2EC401B}"/>
+                <a16:creationId xmlns:a16="http://schemas.microsoft.com/office/drawing/2014/main" id="{171C712A-5FF9-670E-9DEE-92BA086F7AD1}"/>
               </a:ext>
             </a:extLst>
           </p:cNvPr>
@@ -1862,7 +1862,7 @@
           <a:bodyPr/>
           <a:lstStyle/>
           <a:p>
-            <a:fld id="{8C30C40D-18B2-4DC6-BDE0-0B8B5E74E18A}" type="slidenum">
+            <a:fld id="{510A8DF5-0A8D-44F9-8A2A-B2B40870634F}" type="slidenum">
               <a:rPr lang="zh-CN" altLang="en-US" smtClean="0"/>
               <a:t>‹#›</a:t>
             </a:fld>
@@ -1873,7 +1873,7 @@
     </p:spTree>
     <p:extLst>
       <p:ext uri="{BB962C8B-B14F-4D97-AF65-F5344CB8AC3E}">
-        <p14:creationId xmlns:p14="http://schemas.microsoft.com/office/powerpoint/2010/main" val="2381341031"/>
+        <p14:creationId xmlns:p14="http://schemas.microsoft.com/office/powerpoint/2010/main" val="866952579"/>
       </p:ext>
     </p:extLst>
   </p:cSld>
@@ -1905,7 +1905,7 @@
           <p:cNvPr id="2" name="标题 1">
             <a:extLst>
               <a:ext uri="{FF2B5EF4-FFF2-40B4-BE49-F238E27FC236}">
-                <a16:creationId xmlns:a16="http://schemas.microsoft.com/office/drawing/2014/main" id="{3FD06979-8361-B460-AA8B-0AB102A0201B}"/>
+                <a16:creationId xmlns:a16="http://schemas.microsoft.com/office/drawing/2014/main" id="{7E0B9283-CD36-3173-6BD6-D0A2DCCEC95F}"/>
               </a:ext>
             </a:extLst>
           </p:cNvPr>
@@ -1933,7 +1933,7 @@
           <p:cNvPr id="3" name="日期占位符 2">
             <a:extLst>
               <a:ext uri="{FF2B5EF4-FFF2-40B4-BE49-F238E27FC236}">
-                <a16:creationId xmlns:a16="http://schemas.microsoft.com/office/drawing/2014/main" id="{0CBAAE48-1D69-2DC2-7B1D-374B589B4336}"/>
+                <a16:creationId xmlns:a16="http://schemas.microsoft.com/office/drawing/2014/main" id="{8C05D3C0-09B2-054F-AA1E-DCDB898ED9B2}"/>
               </a:ext>
             </a:extLst>
           </p:cNvPr>
@@ -1949,7 +1949,7 @@
           <a:bodyPr/>
           <a:lstStyle/>
           <a:p>
-            <a:fld id="{95954090-FCCA-4DE0-B570-428ED302EE2E}" type="datetimeFigureOut">
+            <a:fld id="{8FB54077-6E63-41C7-89BB-7A1B4CA8FF64}" type="datetimeFigureOut">
               <a:rPr lang="zh-CN" altLang="en-US" smtClean="0"/>
               <a:t>2024/3/10</a:t>
             </a:fld>
@@ -1962,7 +1962,7 @@
           <p:cNvPr id="4" name="页脚占位符 3">
             <a:extLst>
               <a:ext uri="{FF2B5EF4-FFF2-40B4-BE49-F238E27FC236}">
-                <a16:creationId xmlns:a16="http://schemas.microsoft.com/office/drawing/2014/main" id="{D47736BA-C083-32F5-3555-171A6A2AB98E}"/>
+                <a16:creationId xmlns:a16="http://schemas.microsoft.com/office/drawing/2014/main" id="{9AEE6B19-A06C-EC5A-A6C5-6F3706F89F63}"/>
               </a:ext>
             </a:extLst>
           </p:cNvPr>
@@ -1987,7 +1987,7 @@
           <p:cNvPr id="5" name="灯片编号占位符 4">
             <a:extLst>
               <a:ext uri="{FF2B5EF4-FFF2-40B4-BE49-F238E27FC236}">
-                <a16:creationId xmlns:a16="http://schemas.microsoft.com/office/drawing/2014/main" id="{C51CA932-FF3D-2792-A3FE-0AF3B599DD77}"/>
+                <a16:creationId xmlns:a16="http://schemas.microsoft.com/office/drawing/2014/main" id="{3EB26621-5DFD-C59C-EEDB-D12CBA17CF40}"/>
               </a:ext>
             </a:extLst>
           </p:cNvPr>
@@ -2003,7 +2003,7 @@
           <a:bodyPr/>
           <a:lstStyle/>
           <a:p>
-            <a:fld id="{8C30C40D-18B2-4DC6-BDE0-0B8B5E74E18A}" type="slidenum">
+            <a:fld id="{510A8DF5-0A8D-44F9-8A2A-B2B40870634F}" type="slidenum">
               <a:rPr lang="zh-CN" altLang="en-US" smtClean="0"/>
               <a:t>‹#›</a:t>
             </a:fld>
@@ -2014,7 +2014,7 @@
     </p:spTree>
     <p:extLst>
       <p:ext uri="{BB962C8B-B14F-4D97-AF65-F5344CB8AC3E}">
-        <p14:creationId xmlns:p14="http://schemas.microsoft.com/office/powerpoint/2010/main" val="16039181"/>
+        <p14:creationId xmlns:p14="http://schemas.microsoft.com/office/powerpoint/2010/main" val="3468227385"/>
       </p:ext>
     </p:extLst>
   </p:cSld>
@@ -2046,7 +2046,7 @@
           <p:cNvPr id="2" name="日期占位符 1">
             <a:extLst>
               <a:ext uri="{FF2B5EF4-FFF2-40B4-BE49-F238E27FC236}">
-                <a16:creationId xmlns:a16="http://schemas.microsoft.com/office/drawing/2014/main" id="{BB7174B1-CEC8-15DA-2717-1394F32A1092}"/>
+                <a16:creationId xmlns:a16="http://schemas.microsoft.com/office/drawing/2014/main" id="{CF4118F1-B6FA-3110-AA1E-2EB4C6EE27EA}"/>
               </a:ext>
             </a:extLst>
           </p:cNvPr>
@@ -2062,7 +2062,7 @@
           <a:bodyPr/>
           <a:lstStyle/>
           <a:p>
-            <a:fld id="{95954090-FCCA-4DE0-B570-428ED302EE2E}" type="datetimeFigureOut">
+            <a:fld id="{8FB54077-6E63-41C7-89BB-7A1B4CA8FF64}" type="datetimeFigureOut">
               <a:rPr lang="zh-CN" altLang="en-US" smtClean="0"/>
               <a:t>2024/3/10</a:t>
             </a:fld>
@@ -2075,7 +2075,7 @@
           <p:cNvPr id="3" name="页脚占位符 2">
             <a:extLst>
               <a:ext uri="{FF2B5EF4-FFF2-40B4-BE49-F238E27FC236}">
-                <a16:creationId xmlns:a16="http://schemas.microsoft.com/office/drawing/2014/main" id="{BF2BCD97-0BEE-068E-5FDF-3CCADC3EC906}"/>
+                <a16:creationId xmlns:a16="http://schemas.microsoft.com/office/drawing/2014/main" id="{A25A4A71-CE31-C84C-4CEF-83DD27A7AA7D}"/>
               </a:ext>
             </a:extLst>
           </p:cNvPr>
@@ -2100,7 +2100,7 @@
           <p:cNvPr id="4" name="灯片编号占位符 3">
             <a:extLst>
               <a:ext uri="{FF2B5EF4-FFF2-40B4-BE49-F238E27FC236}">
-                <a16:creationId xmlns:a16="http://schemas.microsoft.com/office/drawing/2014/main" id="{8B1DA884-2213-E176-5D3E-73085C696952}"/>
+                <a16:creationId xmlns:a16="http://schemas.microsoft.com/office/drawing/2014/main" id="{C32BA41F-A66F-34C4-E593-4E946B6431B9}"/>
               </a:ext>
             </a:extLst>
           </p:cNvPr>
@@ -2116,7 +2116,7 @@
           <a:bodyPr/>
           <a:lstStyle/>
           <a:p>
-            <a:fld id="{8C30C40D-18B2-4DC6-BDE0-0B8B5E74E18A}" type="slidenum">
+            <a:fld id="{510A8DF5-0A8D-44F9-8A2A-B2B40870634F}" type="slidenum">
               <a:rPr lang="zh-CN" altLang="en-US" smtClean="0"/>
               <a:t>‹#›</a:t>
             </a:fld>
@@ -2127,7 +2127,7 @@
     </p:spTree>
     <p:extLst>
       <p:ext uri="{BB962C8B-B14F-4D97-AF65-F5344CB8AC3E}">
-        <p14:creationId xmlns:p14="http://schemas.microsoft.com/office/powerpoint/2010/main" val="654302980"/>
+        <p14:creationId xmlns:p14="http://schemas.microsoft.com/office/powerpoint/2010/main" val="3007195353"/>
       </p:ext>
     </p:extLst>
   </p:cSld>
@@ -2159,7 +2159,7 @@
           <p:cNvPr id="2" name="标题 1">
             <a:extLst>
               <a:ext uri="{FF2B5EF4-FFF2-40B4-BE49-F238E27FC236}">
-                <a16:creationId xmlns:a16="http://schemas.microsoft.com/office/drawing/2014/main" id="{10A8C796-20C6-7767-A9F5-2338A42B2C4E}"/>
+                <a16:creationId xmlns:a16="http://schemas.microsoft.com/office/drawing/2014/main" id="{1EAC5642-BC5D-04D8-E43E-99250BE6702B}"/>
               </a:ext>
             </a:extLst>
           </p:cNvPr>
@@ -2196,7 +2196,7 @@
           <p:cNvPr id="3" name="内容占位符 2">
             <a:extLst>
               <a:ext uri="{FF2B5EF4-FFF2-40B4-BE49-F238E27FC236}">
-                <a16:creationId xmlns:a16="http://schemas.microsoft.com/office/drawing/2014/main" id="{18905878-D1B1-72B0-C825-3ED59BE98F4E}"/>
+                <a16:creationId xmlns:a16="http://schemas.microsoft.com/office/drawing/2014/main" id="{8B4F33EC-C8C8-11A7-3F6C-8F30D377226B}"/>
               </a:ext>
             </a:extLst>
           </p:cNvPr>
@@ -2286,7 +2286,7 @@
           <p:cNvPr id="4" name="文本占位符 3">
             <a:extLst>
               <a:ext uri="{FF2B5EF4-FFF2-40B4-BE49-F238E27FC236}">
-                <a16:creationId xmlns:a16="http://schemas.microsoft.com/office/drawing/2014/main" id="{7C1E3685-143D-50D1-69C1-F5084AB1B5B7}"/>
+                <a16:creationId xmlns:a16="http://schemas.microsoft.com/office/drawing/2014/main" id="{A0C0FA17-A028-9E3C-F01A-FB5227C8B5B1}"/>
               </a:ext>
             </a:extLst>
           </p:cNvPr>
@@ -2357,7 +2357,7 @@
           <p:cNvPr id="5" name="日期占位符 4">
             <a:extLst>
               <a:ext uri="{FF2B5EF4-FFF2-40B4-BE49-F238E27FC236}">
-                <a16:creationId xmlns:a16="http://schemas.microsoft.com/office/drawing/2014/main" id="{72305822-0569-CC0E-1224-3536F6D7DAAB}"/>
+                <a16:creationId xmlns:a16="http://schemas.microsoft.com/office/drawing/2014/main" id="{9D501F14-4C8B-634B-DC10-A88B9AAD6A96}"/>
               </a:ext>
             </a:extLst>
           </p:cNvPr>
@@ -2373,7 +2373,7 @@
           <a:bodyPr/>
           <a:lstStyle/>
           <a:p>
-            <a:fld id="{95954090-FCCA-4DE0-B570-428ED302EE2E}" type="datetimeFigureOut">
+            <a:fld id="{8FB54077-6E63-41C7-89BB-7A1B4CA8FF64}" type="datetimeFigureOut">
               <a:rPr lang="zh-CN" altLang="en-US" smtClean="0"/>
               <a:t>2024/3/10</a:t>
             </a:fld>
@@ -2386,7 +2386,7 @@
           <p:cNvPr id="6" name="页脚占位符 5">
             <a:extLst>
               <a:ext uri="{FF2B5EF4-FFF2-40B4-BE49-F238E27FC236}">
-                <a16:creationId xmlns:a16="http://schemas.microsoft.com/office/drawing/2014/main" id="{1DD59D5A-0F32-8E10-48DC-E9BB67301762}"/>
+                <a16:creationId xmlns:a16="http://schemas.microsoft.com/office/drawing/2014/main" id="{196C0CED-34D7-A33C-EFBB-73E20A8E0113}"/>
               </a:ext>
             </a:extLst>
           </p:cNvPr>
@@ -2411,7 +2411,7 @@
           <p:cNvPr id="7" name="灯片编号占位符 6">
             <a:extLst>
               <a:ext uri="{FF2B5EF4-FFF2-40B4-BE49-F238E27FC236}">
-                <a16:creationId xmlns:a16="http://schemas.microsoft.com/office/drawing/2014/main" id="{008BEC8B-18D9-CA47-947D-B6DD35CFFBB2}"/>
+                <a16:creationId xmlns:a16="http://schemas.microsoft.com/office/drawing/2014/main" id="{01C6180C-55FB-3DF2-7E49-8A3A07974133}"/>
               </a:ext>
             </a:extLst>
           </p:cNvPr>
@@ -2427,7 +2427,7 @@
           <a:bodyPr/>
           <a:lstStyle/>
           <a:p>
-            <a:fld id="{8C30C40D-18B2-4DC6-BDE0-0B8B5E74E18A}" type="slidenum">
+            <a:fld id="{510A8DF5-0A8D-44F9-8A2A-B2B40870634F}" type="slidenum">
               <a:rPr lang="zh-CN" altLang="en-US" smtClean="0"/>
               <a:t>‹#›</a:t>
             </a:fld>
@@ -2438,7 +2438,7 @@
     </p:spTree>
     <p:extLst>
       <p:ext uri="{BB962C8B-B14F-4D97-AF65-F5344CB8AC3E}">
-        <p14:creationId xmlns:p14="http://schemas.microsoft.com/office/powerpoint/2010/main" val="1226113134"/>
+        <p14:creationId xmlns:p14="http://schemas.microsoft.com/office/powerpoint/2010/main" val="2982957289"/>
       </p:ext>
     </p:extLst>
   </p:cSld>
@@ -2470,7 +2470,7 @@
           <p:cNvPr id="2" name="标题 1">
             <a:extLst>
               <a:ext uri="{FF2B5EF4-FFF2-40B4-BE49-F238E27FC236}">
-                <a16:creationId xmlns:a16="http://schemas.microsoft.com/office/drawing/2014/main" id="{C33373A3-1577-5293-4041-2E9F27A6AF42}"/>
+                <a16:creationId xmlns:a16="http://schemas.microsoft.com/office/drawing/2014/main" id="{D502C438-D4E3-CC7A-A6CE-C5211A3B36F9}"/>
               </a:ext>
             </a:extLst>
           </p:cNvPr>
@@ -2507,7 +2507,7 @@
           <p:cNvPr id="3" name="图片占位符 2">
             <a:extLst>
               <a:ext uri="{FF2B5EF4-FFF2-40B4-BE49-F238E27FC236}">
-                <a16:creationId xmlns:a16="http://schemas.microsoft.com/office/drawing/2014/main" id="{C2A10A91-5474-0AD7-A837-E39B2BC6CA70}"/>
+                <a16:creationId xmlns:a16="http://schemas.microsoft.com/office/drawing/2014/main" id="{E60FF466-6455-63F9-D168-E0474D1A7D32}"/>
               </a:ext>
             </a:extLst>
           </p:cNvPr>
@@ -2574,7 +2574,7 @@
           <p:cNvPr id="4" name="文本占位符 3">
             <a:extLst>
               <a:ext uri="{FF2B5EF4-FFF2-40B4-BE49-F238E27FC236}">
-                <a16:creationId xmlns:a16="http://schemas.microsoft.com/office/drawing/2014/main" id="{01B47167-F15B-5320-EA28-9BFAA989D0B8}"/>
+                <a16:creationId xmlns:a16="http://schemas.microsoft.com/office/drawing/2014/main" id="{3D5D8AF3-B902-D4A3-58F1-A1AE6BB27DE0}"/>
               </a:ext>
             </a:extLst>
           </p:cNvPr>
@@ -2645,7 +2645,7 @@
           <p:cNvPr id="5" name="日期占位符 4">
             <a:extLst>
               <a:ext uri="{FF2B5EF4-FFF2-40B4-BE49-F238E27FC236}">
-                <a16:creationId xmlns:a16="http://schemas.microsoft.com/office/drawing/2014/main" id="{3BF15EA0-BFCE-00E1-8706-42AE94E6D68A}"/>
+                <a16:creationId xmlns:a16="http://schemas.microsoft.com/office/drawing/2014/main" id="{7138B120-A163-FA22-17C6-4E5C3FD28AE1}"/>
               </a:ext>
             </a:extLst>
           </p:cNvPr>
@@ -2661,7 +2661,7 @@
           <a:bodyPr/>
           <a:lstStyle/>
           <a:p>
-            <a:fld id="{95954090-FCCA-4DE0-B570-428ED302EE2E}" type="datetimeFigureOut">
+            <a:fld id="{8FB54077-6E63-41C7-89BB-7A1B4CA8FF64}" type="datetimeFigureOut">
               <a:rPr lang="zh-CN" altLang="en-US" smtClean="0"/>
               <a:t>2024/3/10</a:t>
             </a:fld>
@@ -2674,7 +2674,7 @@
           <p:cNvPr id="6" name="页脚占位符 5">
             <a:extLst>
               <a:ext uri="{FF2B5EF4-FFF2-40B4-BE49-F238E27FC236}">
-                <a16:creationId xmlns:a16="http://schemas.microsoft.com/office/drawing/2014/main" id="{041EBDB4-CFD8-B6ED-D8D9-C863036D6738}"/>
+                <a16:creationId xmlns:a16="http://schemas.microsoft.com/office/drawing/2014/main" id="{4E6238AC-0010-8CD8-6F34-6B56A188D522}"/>
               </a:ext>
             </a:extLst>
           </p:cNvPr>
@@ -2699,7 +2699,7 @@
           <p:cNvPr id="7" name="灯片编号占位符 6">
             <a:extLst>
               <a:ext uri="{FF2B5EF4-FFF2-40B4-BE49-F238E27FC236}">
-                <a16:creationId xmlns:a16="http://schemas.microsoft.com/office/drawing/2014/main" id="{235C9999-B329-53DA-DC65-96DE3AC1E3BE}"/>
+                <a16:creationId xmlns:a16="http://schemas.microsoft.com/office/drawing/2014/main" id="{6E32BC05-C83E-BF99-FAF2-43D9FFF2981F}"/>
               </a:ext>
             </a:extLst>
           </p:cNvPr>
@@ -2715,7 +2715,7 @@
           <a:bodyPr/>
           <a:lstStyle/>
           <a:p>
-            <a:fld id="{8C30C40D-18B2-4DC6-BDE0-0B8B5E74E18A}" type="slidenum">
+            <a:fld id="{510A8DF5-0A8D-44F9-8A2A-B2B40870634F}" type="slidenum">
               <a:rPr lang="zh-CN" altLang="en-US" smtClean="0"/>
               <a:t>‹#›</a:t>
             </a:fld>
@@ -2726,7 +2726,7 @@
     </p:spTree>
     <p:extLst>
       <p:ext uri="{BB962C8B-B14F-4D97-AF65-F5344CB8AC3E}">
-        <p14:creationId xmlns:p14="http://schemas.microsoft.com/office/powerpoint/2010/main" val="3078787791"/>
+        <p14:creationId xmlns:p14="http://schemas.microsoft.com/office/powerpoint/2010/main" val="2166284606"/>
       </p:ext>
     </p:extLst>
   </p:cSld>
@@ -2763,7 +2763,7 @@
           <p:cNvPr id="2" name="标题占位符 1">
             <a:extLst>
               <a:ext uri="{FF2B5EF4-FFF2-40B4-BE49-F238E27FC236}">
-                <a16:creationId xmlns:a16="http://schemas.microsoft.com/office/drawing/2014/main" id="{6DF7EBC1-7265-BD6B-6D56-59836292422B}"/>
+                <a16:creationId xmlns:a16="http://schemas.microsoft.com/office/drawing/2014/main" id="{BD94C699-D22C-61F4-A63D-D306F239F524}"/>
               </a:ext>
             </a:extLst>
           </p:cNvPr>
@@ -2801,7 +2801,7 @@
           <p:cNvPr id="3" name="文本占位符 2">
             <a:extLst>
               <a:ext uri="{FF2B5EF4-FFF2-40B4-BE49-F238E27FC236}">
-                <a16:creationId xmlns:a16="http://schemas.microsoft.com/office/drawing/2014/main" id="{F2BB262B-620D-2612-C05C-93C5B23A21FC}"/>
+                <a16:creationId xmlns:a16="http://schemas.microsoft.com/office/drawing/2014/main" id="{E6EA94FE-DB75-2331-ADD2-1BD234BDBD28}"/>
               </a:ext>
             </a:extLst>
           </p:cNvPr>
@@ -2868,7 +2868,7 @@
           <p:cNvPr id="4" name="日期占位符 3">
             <a:extLst>
               <a:ext uri="{FF2B5EF4-FFF2-40B4-BE49-F238E27FC236}">
-                <a16:creationId xmlns:a16="http://schemas.microsoft.com/office/drawing/2014/main" id="{3502044E-8C56-E69B-50BB-3E49A37FFFEE}"/>
+                <a16:creationId xmlns:a16="http://schemas.microsoft.com/office/drawing/2014/main" id="{B5D8C090-D318-2507-1A8F-D4172D619518}"/>
               </a:ext>
             </a:extLst>
           </p:cNvPr>
@@ -2902,7 +2902,7 @@
             </a:lvl1pPr>
           </a:lstStyle>
           <a:p>
-            <a:fld id="{95954090-FCCA-4DE0-B570-428ED302EE2E}" type="datetimeFigureOut">
+            <a:fld id="{8FB54077-6E63-41C7-89BB-7A1B4CA8FF64}" type="datetimeFigureOut">
               <a:rPr lang="zh-CN" altLang="en-US" smtClean="0"/>
               <a:t>2024/3/10</a:t>
             </a:fld>
@@ -2915,7 +2915,7 @@
           <p:cNvPr id="5" name="页脚占位符 4">
             <a:extLst>
               <a:ext uri="{FF2B5EF4-FFF2-40B4-BE49-F238E27FC236}">
-                <a16:creationId xmlns:a16="http://schemas.microsoft.com/office/drawing/2014/main" id="{5A98D35C-A0C7-90C9-8F14-13B3768E329B}"/>
+                <a16:creationId xmlns:a16="http://schemas.microsoft.com/office/drawing/2014/main" id="{FEEEF6B1-5A1E-CAD3-3844-C835787AC03F}"/>
               </a:ext>
             </a:extLst>
           </p:cNvPr>
@@ -2958,7 +2958,7 @@
           <p:cNvPr id="6" name="灯片编号占位符 5">
             <a:extLst>
               <a:ext uri="{FF2B5EF4-FFF2-40B4-BE49-F238E27FC236}">
-                <a16:creationId xmlns:a16="http://schemas.microsoft.com/office/drawing/2014/main" id="{8E137215-1DDB-2F41-09FE-069A31D7EBB5}"/>
+                <a16:creationId xmlns:a16="http://schemas.microsoft.com/office/drawing/2014/main" id="{892654BA-5AF1-4044-BA80-FE598DAB7DD3}"/>
               </a:ext>
             </a:extLst>
           </p:cNvPr>
@@ -2992,7 +2992,7 @@
             </a:lvl1pPr>
           </a:lstStyle>
           <a:p>
-            <a:fld id="{8C30C40D-18B2-4DC6-BDE0-0B8B5E74E18A}" type="slidenum">
+            <a:fld id="{510A8DF5-0A8D-44F9-8A2A-B2B40870634F}" type="slidenum">
               <a:rPr lang="zh-CN" altLang="en-US" smtClean="0"/>
               <a:t>‹#›</a:t>
             </a:fld>
@@ -3003,7 +3003,7 @@
     </p:spTree>
     <p:extLst>
       <p:ext uri="{BB962C8B-B14F-4D97-AF65-F5344CB8AC3E}">
-        <p14:creationId xmlns:p14="http://schemas.microsoft.com/office/powerpoint/2010/main" val="3877008025"/>
+        <p14:creationId xmlns:p14="http://schemas.microsoft.com/office/powerpoint/2010/main" val="3585418754"/>
       </p:ext>
     </p:extLst>
   </p:cSld>
